--- a/articles/azure-active-directory-connect/how-to-upgrade-details/AADC_Upgrade_B_2023v2.pptx
+++ b/articles/azure-active-directory-connect/how-to-upgrade-details/AADC_Upgrade_B_2023v2.pptx
@@ -51,6 +51,7 @@
     <p:sldId id="310" r:id="rId45"/>
     <p:sldId id="329" r:id="rId46"/>
     <p:sldId id="331" r:id="rId47"/>
+    <p:sldId id="334" r:id="rId48"/>
   </p:sldIdLst>
   <p:sldSz cx="12192000" cy="6858000"/>
   <p:notesSz cx="6858000" cy="9144000"/>
@@ -17340,6 +17341,336 @@
 </p:sld>
 </file>
 
+<file path=ppt/slides/slide47.xml><?xml version="1.0" encoding="utf-8"?>
+<p:sld xmlns:a="http://schemas.openxmlformats.org/drawingml/2006/main" xmlns:r="http://schemas.openxmlformats.org/officeDocument/2006/relationships" xmlns:p="http://schemas.openxmlformats.org/presentationml/2006/main">
+  <p:cSld>
+    <p:spTree>
+      <p:nvGrpSpPr>
+        <p:cNvPr id="1" name=""/>
+        <p:cNvGrpSpPr/>
+        <p:nvPr/>
+      </p:nvGrpSpPr>
+      <p:grpSpPr>
+        <a:xfrm>
+          <a:off x="0" y="0"/>
+          <a:ext cx="0" cy="0"/>
+          <a:chOff x="0" y="0"/>
+          <a:chExt cx="0" cy="0"/>
+        </a:xfrm>
+      </p:grpSpPr>
+      <p:sp>
+        <p:nvSpPr>
+          <p:cNvPr id="5" name="テキスト ボックス 4">
+            <a:extLst>
+              <a:ext uri="{FF2B5EF4-FFF2-40B4-BE49-F238E27FC236}">
+                <a16:creationId xmlns:a16="http://schemas.microsoft.com/office/drawing/2014/main" id="{AA736D14-9F82-4158-A904-70B73F3AC3C1}"/>
+              </a:ext>
+            </a:extLst>
+          </p:cNvPr>
+          <p:cNvSpPr txBox="1"/>
+          <p:nvPr/>
+        </p:nvSpPr>
+        <p:spPr>
+          <a:xfrm>
+            <a:off x="295712" y="624303"/>
+            <a:ext cx="11356596" cy="369332"/>
+          </a:xfrm>
+          <a:prstGeom prst="rect">
+            <a:avLst/>
+          </a:prstGeom>
+          <a:noFill/>
+        </p:spPr>
+        <p:txBody>
+          <a:bodyPr wrap="square">
+            <a:spAutoFit/>
+          </a:bodyPr>
+          <a:lstStyle/>
+          <a:p>
+            <a:r>
+              <a:rPr lang="ja-JP" altLang="en-US" sz="1800" b="1" dirty="0">
+                <a:latin typeface="Meiryo UI" panose="020B0604030504040204" pitchFamily="50" charset="-128"/>
+                <a:ea typeface="Meiryo UI" panose="020B0604030504040204" pitchFamily="50" charset="-128"/>
+              </a:rPr>
+              <a:t>アップグレード処理やアップグレード後の動作にて問題が生じた場合</a:t>
+            </a:r>
+            <a:endParaRPr lang="en-US" altLang="ja-JP" sz="1800" b="1" dirty="0">
+              <a:latin typeface="Meiryo UI" panose="020B0604030504040204" pitchFamily="50" charset="-128"/>
+              <a:ea typeface="Meiryo UI" panose="020B0604030504040204" pitchFamily="50" charset="-128"/>
+            </a:endParaRPr>
+          </a:p>
+        </p:txBody>
+      </p:sp>
+      <p:sp>
+        <p:nvSpPr>
+          <p:cNvPr id="7" name="テキスト ボックス 6">
+            <a:extLst>
+              <a:ext uri="{FF2B5EF4-FFF2-40B4-BE49-F238E27FC236}">
+                <a16:creationId xmlns:a16="http://schemas.microsoft.com/office/drawing/2014/main" id="{F24A8E61-3983-4AF5-9DDA-29B87CF0CFB2}"/>
+              </a:ext>
+            </a:extLst>
+          </p:cNvPr>
+          <p:cNvSpPr txBox="1"/>
+          <p:nvPr/>
+        </p:nvSpPr>
+        <p:spPr>
+          <a:xfrm>
+            <a:off x="513426" y="1469020"/>
+            <a:ext cx="9827234" cy="2862322"/>
+          </a:xfrm>
+          <a:prstGeom prst="rect">
+            <a:avLst/>
+          </a:prstGeom>
+          <a:noFill/>
+        </p:spPr>
+        <p:txBody>
+          <a:bodyPr wrap="square">
+            <a:spAutoFit/>
+          </a:bodyPr>
+          <a:lstStyle/>
+          <a:p>
+            <a:r>
+              <a:rPr lang="ja-JP" altLang="en-US" sz="1200" dirty="0">
+                <a:latin typeface="メイリオ" panose="020B0604030504040204" pitchFamily="50" charset="-128"/>
+                <a:ea typeface="メイリオ" panose="020B0604030504040204" pitchFamily="50" charset="-128"/>
+              </a:rPr>
+              <a:t>お問い合わせを起票いただく際、下記を事前にお知らせいただくことで対応が円滑に進みます。</a:t>
+            </a:r>
+            <a:endParaRPr lang="en-US" altLang="ja-JP" sz="1200" dirty="0">
+              <a:latin typeface="メイリオ" panose="020B0604030504040204" pitchFamily="50" charset="-128"/>
+              <a:ea typeface="メイリオ" panose="020B0604030504040204" pitchFamily="50" charset="-128"/>
+            </a:endParaRPr>
+          </a:p>
+          <a:p>
+            <a:endParaRPr lang="en-US" altLang="ja-JP" sz="1200" dirty="0">
+              <a:latin typeface="メイリオ" panose="020B0604030504040204" pitchFamily="50" charset="-128"/>
+              <a:ea typeface="メイリオ" panose="020B0604030504040204" pitchFamily="50" charset="-128"/>
+            </a:endParaRPr>
+          </a:p>
+          <a:p>
+            <a:r>
+              <a:rPr lang="ja-JP" altLang="en-US" sz="1200" dirty="0">
+                <a:latin typeface="メイリオ" panose="020B0604030504040204" pitchFamily="50" charset="-128"/>
+                <a:ea typeface="メイリオ" panose="020B0604030504040204" pitchFamily="50" charset="-128"/>
+              </a:rPr>
+              <a:t>環境 </a:t>
+            </a:r>
+            <a:r>
+              <a:rPr lang="en-US" altLang="ja-JP" sz="1200" dirty="0">
+                <a:latin typeface="メイリオ" panose="020B0604030504040204" pitchFamily="50" charset="-128"/>
+                <a:ea typeface="メイリオ" panose="020B0604030504040204" pitchFamily="50" charset="-128"/>
+              </a:rPr>
+              <a:t>: OS / Azure AD Connect </a:t>
+            </a:r>
+            <a:r>
+              <a:rPr lang="ja-JP" altLang="en-US" sz="1200" dirty="0">
+                <a:latin typeface="メイリオ" panose="020B0604030504040204" pitchFamily="50" charset="-128"/>
+                <a:ea typeface="メイリオ" panose="020B0604030504040204" pitchFamily="50" charset="-128"/>
+              </a:rPr>
+              <a:t>インストール バージョン</a:t>
+            </a:r>
+            <a:endParaRPr lang="en-US" altLang="ja-JP" sz="1200" dirty="0">
+              <a:latin typeface="メイリオ" panose="020B0604030504040204" pitchFamily="50" charset="-128"/>
+              <a:ea typeface="メイリオ" panose="020B0604030504040204" pitchFamily="50" charset="-128"/>
+            </a:endParaRPr>
+          </a:p>
+          <a:p>
+            <a:r>
+              <a:rPr lang="ja-JP" altLang="en-US" sz="1200" dirty="0">
+                <a:latin typeface="メイリオ" panose="020B0604030504040204" pitchFamily="50" charset="-128"/>
+                <a:ea typeface="メイリオ" panose="020B0604030504040204" pitchFamily="50" charset="-128"/>
+              </a:rPr>
+              <a:t>構成 </a:t>
+            </a:r>
+            <a:r>
+              <a:rPr lang="en-US" altLang="ja-JP" sz="1200" dirty="0">
+                <a:latin typeface="メイリオ" panose="020B0604030504040204" pitchFamily="50" charset="-128"/>
+                <a:ea typeface="メイリオ" panose="020B0604030504040204" pitchFamily="50" charset="-128"/>
+              </a:rPr>
+              <a:t>: 1 </a:t>
+            </a:r>
+            <a:r>
+              <a:rPr lang="ja-JP" altLang="en-US" sz="1200" dirty="0">
+                <a:latin typeface="メイリオ" panose="020B0604030504040204" pitchFamily="50" charset="-128"/>
+                <a:ea typeface="メイリオ" panose="020B0604030504040204" pitchFamily="50" charset="-128"/>
+              </a:rPr>
+              <a:t>台構成、複数台構成</a:t>
+            </a:r>
+            <a:endParaRPr lang="en-US" altLang="ja-JP" sz="1200" dirty="0">
+              <a:latin typeface="メイリオ" panose="020B0604030504040204" pitchFamily="50" charset="-128"/>
+              <a:ea typeface="メイリオ" panose="020B0604030504040204" pitchFamily="50" charset="-128"/>
+            </a:endParaRPr>
+          </a:p>
+          <a:p>
+            <a:r>
+              <a:rPr lang="ja-JP" altLang="en-US" sz="1200" dirty="0">
+                <a:latin typeface="メイリオ" panose="020B0604030504040204" pitchFamily="50" charset="-128"/>
+                <a:ea typeface="メイリオ" panose="020B0604030504040204" pitchFamily="50" charset="-128"/>
+              </a:rPr>
+              <a:t>経緯 </a:t>
+            </a:r>
+            <a:r>
+              <a:rPr lang="en-US" altLang="ja-JP" sz="1200" dirty="0">
+                <a:latin typeface="メイリオ" panose="020B0604030504040204" pitchFamily="50" charset="-128"/>
+                <a:ea typeface="メイリオ" panose="020B0604030504040204" pitchFamily="50" charset="-128"/>
+              </a:rPr>
+              <a:t>: </a:t>
+            </a:r>
+            <a:r>
+              <a:rPr lang="ja-JP" altLang="en-US" sz="1200" dirty="0">
+                <a:latin typeface="メイリオ" panose="020B0604030504040204" pitchFamily="50" charset="-128"/>
+                <a:ea typeface="メイリオ" panose="020B0604030504040204" pitchFamily="50" charset="-128"/>
+              </a:rPr>
+              <a:t>作業内容や作業中など</a:t>
+            </a:r>
+            <a:endParaRPr lang="en-US" altLang="ja-JP" sz="1200" dirty="0">
+              <a:latin typeface="メイリオ" panose="020B0604030504040204" pitchFamily="50" charset="-128"/>
+              <a:ea typeface="メイリオ" panose="020B0604030504040204" pitchFamily="50" charset="-128"/>
+            </a:endParaRPr>
+          </a:p>
+          <a:p>
+            <a:r>
+              <a:rPr lang="ja-JP" altLang="en-US" sz="1200" dirty="0">
+                <a:latin typeface="メイリオ" panose="020B0604030504040204" pitchFamily="50" charset="-128"/>
+                <a:ea typeface="メイリオ" panose="020B0604030504040204" pitchFamily="50" charset="-128"/>
+              </a:rPr>
+              <a:t>発生事象 </a:t>
+            </a:r>
+            <a:r>
+              <a:rPr lang="en-US" altLang="ja-JP" sz="1200" dirty="0">
+                <a:latin typeface="メイリオ" panose="020B0604030504040204" pitchFamily="50" charset="-128"/>
+                <a:ea typeface="メイリオ" panose="020B0604030504040204" pitchFamily="50" charset="-128"/>
+              </a:rPr>
+              <a:t>: </a:t>
+            </a:r>
+            <a:r>
+              <a:rPr lang="ja-JP" altLang="en-US" sz="1200" dirty="0">
+                <a:latin typeface="メイリオ" panose="020B0604030504040204" pitchFamily="50" charset="-128"/>
+                <a:ea typeface="メイリオ" panose="020B0604030504040204" pitchFamily="50" charset="-128"/>
+              </a:rPr>
+              <a:t>エラーメッセージが表示されている場合には画面キャプチャを取得し、アップロードをお願いします。</a:t>
+            </a:r>
+            <a:endParaRPr lang="en-US" altLang="ja-JP" sz="1200" dirty="0">
+              <a:latin typeface="メイリオ" panose="020B0604030504040204" pitchFamily="50" charset="-128"/>
+              <a:ea typeface="メイリオ" panose="020B0604030504040204" pitchFamily="50" charset="-128"/>
+            </a:endParaRPr>
+          </a:p>
+          <a:p>
+            <a:r>
+              <a:rPr lang="ja-JP" altLang="en-US" sz="1200" dirty="0">
+                <a:latin typeface="メイリオ" panose="020B0604030504040204" pitchFamily="50" charset="-128"/>
+                <a:ea typeface="メイリオ" panose="020B0604030504040204" pitchFamily="50" charset="-128"/>
+              </a:rPr>
+              <a:t>ログ情報 </a:t>
+            </a:r>
+            <a:r>
+              <a:rPr lang="en-US" altLang="ja-JP" sz="1200" dirty="0">
+                <a:latin typeface="メイリオ" panose="020B0604030504040204" pitchFamily="50" charset="-128"/>
+                <a:ea typeface="メイリオ" panose="020B0604030504040204" pitchFamily="50" charset="-128"/>
+              </a:rPr>
+              <a:t>: </a:t>
+            </a:r>
+            <a:r>
+              <a:rPr lang="ja-JP" altLang="en-US" sz="1200" dirty="0">
+                <a:latin typeface="メイリオ" panose="020B0604030504040204" pitchFamily="50" charset="-128"/>
+                <a:ea typeface="メイリオ" panose="020B0604030504040204" pitchFamily="50" charset="-128"/>
+              </a:rPr>
+              <a:t>上述の確認結果にてお気づきになったメッセージなど</a:t>
+            </a:r>
+            <a:endParaRPr lang="en-US" altLang="ja-JP" sz="1200" dirty="0">
+              <a:latin typeface="メイリオ" panose="020B0604030504040204" pitchFamily="50" charset="-128"/>
+              <a:ea typeface="メイリオ" panose="020B0604030504040204" pitchFamily="50" charset="-128"/>
+            </a:endParaRPr>
+          </a:p>
+          <a:p>
+            <a:endParaRPr lang="en-US" altLang="ja-JP" sz="1200" dirty="0">
+              <a:latin typeface="メイリオ" panose="020B0604030504040204" pitchFamily="50" charset="-128"/>
+              <a:ea typeface="メイリオ" panose="020B0604030504040204" pitchFamily="50" charset="-128"/>
+            </a:endParaRPr>
+          </a:p>
+          <a:p>
+            <a:endParaRPr lang="en-US" altLang="ja-JP" sz="1200" dirty="0">
+              <a:latin typeface="メイリオ" panose="020B0604030504040204" pitchFamily="50" charset="-128"/>
+              <a:ea typeface="メイリオ" panose="020B0604030504040204" pitchFamily="50" charset="-128"/>
+            </a:endParaRPr>
+          </a:p>
+          <a:p>
+            <a:r>
+              <a:rPr lang="ja-JP" altLang="en-US" sz="1200" dirty="0">
+                <a:latin typeface="メイリオ" panose="020B0604030504040204" pitchFamily="50" charset="-128"/>
+                <a:ea typeface="メイリオ" panose="020B0604030504040204" pitchFamily="50" charset="-128"/>
+              </a:rPr>
+              <a:t>下記にて弊社チーム ブログにて情報採取ツールを公開させていただいています。</a:t>
+            </a:r>
+            <a:endParaRPr lang="en-US" altLang="ja-JP" sz="1200" dirty="0">
+              <a:latin typeface="メイリオ" panose="020B0604030504040204" pitchFamily="50" charset="-128"/>
+              <a:ea typeface="メイリオ" panose="020B0604030504040204" pitchFamily="50" charset="-128"/>
+            </a:endParaRPr>
+          </a:p>
+          <a:p>
+            <a:r>
+              <a:rPr lang="ja-JP" altLang="en-US" sz="1200" dirty="0">
+                <a:latin typeface="メイリオ" panose="020B0604030504040204" pitchFamily="50" charset="-128"/>
+                <a:ea typeface="メイリオ" panose="020B0604030504040204" pitchFamily="50" charset="-128"/>
+              </a:rPr>
+              <a:t>初動調査にて取得いただくことが想定されるため、お問い合わせ前に取得いただくことでスムーズにご支援が可能となります。</a:t>
+            </a:r>
+            <a:endParaRPr lang="en-US" altLang="ja-JP" sz="1200" dirty="0">
+              <a:latin typeface="メイリオ" panose="020B0604030504040204" pitchFamily="50" charset="-128"/>
+              <a:ea typeface="メイリオ" panose="020B0604030504040204" pitchFamily="50" charset="-128"/>
+            </a:endParaRPr>
+          </a:p>
+          <a:p>
+            <a:endParaRPr lang="en-US" altLang="ja-JP" sz="1200" dirty="0">
+              <a:latin typeface="メイリオ" panose="020B0604030504040204" pitchFamily="50" charset="-128"/>
+              <a:ea typeface="メイリオ" panose="020B0604030504040204" pitchFamily="50" charset="-128"/>
+            </a:endParaRPr>
+          </a:p>
+          <a:p>
+            <a:r>
+              <a:rPr lang="en-US" altLang="ja-JP" sz="1200" dirty="0">
+                <a:latin typeface="メイリオ" panose="020B0604030504040204" pitchFamily="50" charset="-128"/>
+                <a:ea typeface="メイリオ" panose="020B0604030504040204" pitchFamily="50" charset="-128"/>
+              </a:rPr>
+              <a:t>AADC </a:t>
+            </a:r>
+            <a:r>
+              <a:rPr lang="ja-JP" altLang="en-US" sz="1200" dirty="0">
+                <a:latin typeface="メイリオ" panose="020B0604030504040204" pitchFamily="50" charset="-128"/>
+                <a:ea typeface="メイリオ" panose="020B0604030504040204" pitchFamily="50" charset="-128"/>
+              </a:rPr>
+              <a:t>サーバー情報一括採取ツール</a:t>
+            </a:r>
+          </a:p>
+          <a:p>
+            <a:r>
+              <a:rPr lang="en-US" altLang="ja-JP" sz="1200" dirty="0">
+                <a:latin typeface="メイリオ" panose="020B0604030504040204" pitchFamily="50" charset="-128"/>
+                <a:ea typeface="メイリオ" panose="020B0604030504040204" pitchFamily="50" charset="-128"/>
+              </a:rPr>
+              <a:t>https://github.com/jpazureid/aadconnect-diagnostic</a:t>
+            </a:r>
+          </a:p>
+          <a:p>
+            <a:endParaRPr lang="en-US" altLang="ja-JP" sz="1200" dirty="0">
+              <a:latin typeface="メイリオ" panose="020B0604030504040204" pitchFamily="50" charset="-128"/>
+              <a:ea typeface="メイリオ" panose="020B0604030504040204" pitchFamily="50" charset="-128"/>
+            </a:endParaRPr>
+          </a:p>
+        </p:txBody>
+      </p:sp>
+    </p:spTree>
+    <p:extLst>
+      <p:ext uri="{BB962C8B-B14F-4D97-AF65-F5344CB8AC3E}">
+        <p14:creationId xmlns:p14="http://schemas.microsoft.com/office/powerpoint/2010/main" val="3468782470"/>
+      </p:ext>
+    </p:extLst>
+  </p:cSld>
+  <p:clrMapOvr>
+    <a:masterClrMapping/>
+  </p:clrMapOvr>
+</p:sld>
+</file>
+
 <file path=ppt/slides/slide5.xml><?xml version="1.0" encoding="utf-8"?>
 <p:sld xmlns:a="http://schemas.openxmlformats.org/drawingml/2006/main" xmlns:r="http://schemas.openxmlformats.org/officeDocument/2006/relationships" xmlns:p="http://schemas.openxmlformats.org/presentationml/2006/main">
   <p:cSld>
